--- a/Presentationsmaterial/Dokument/2.1 Klasser och objekt.pptx
+++ b/Presentationsmaterial/Dokument/2.1 Klasser och objekt.pptx
@@ -234,7 +234,7 @@
             <a:fld id="{9FAF8D42-45E1-4972-98F2-25DD8B054058}" type="datetimeFigureOut">
               <a:rPr lang="sv-SE" smtClean="0"/>
               <a:pPr/>
-              <a:t>2013-09-23</a:t>
+              <a:t>2014-02-12</a:t>
             </a:fld>
             <a:endParaRPr lang="sv-SE"/>
           </a:p>
@@ -2803,7 +2803,6 @@
               <a:rPr lang="sv-SE" noProof="0" smtClean="0"/>
               <a:t>Klicka på ikonen för att lägga till en bild</a:t>
             </a:r>
-            <a:endParaRPr lang="sv-SE" noProof="0" smtClean="0"/>
           </a:p>
         </p:txBody>
       </p:sp>
@@ -3099,19 +3098,7 @@
                 <a:latin typeface="Times New Roman" pitchFamily="18" charset="0"/>
                 <a:cs typeface="Times New Roman" pitchFamily="18" charset="0"/>
               </a:rPr>
-              <a:t>(</a:t>
-            </a:r>
-            <a:r>
-              <a:rPr lang="en-US" sz="700" dirty="0" smtClean="0">
-                <a:solidFill>
-                  <a:schemeClr val="bg1">
-                    <a:lumMod val="75000"/>
-                  </a:schemeClr>
-                </a:solidFill>
-                <a:latin typeface="Times New Roman" pitchFamily="18" charset="0"/>
-                <a:cs typeface="Times New Roman" pitchFamily="18" charset="0"/>
-              </a:rPr>
-              <a:t>12)</a:t>
+              <a:t>(12)</a:t>
             </a:r>
             <a:endParaRPr lang="en-US" sz="700" dirty="0">
               <a:solidFill>
@@ -3818,7 +3805,7 @@
           <a:graphicData uri="http://schemas.openxmlformats.org/presentationml/2006/ole">
             <mc:AlternateContent xmlns:mc="http://schemas.openxmlformats.org/markup-compatibility/2006">
               <mc:Choice xmlns:v="urn:schemas-microsoft-com:vml" Requires="v">
-                <p:oleObj spid="_x0000_s2067" name="Visio" r:id="rId3" imgW="2535079" imgH="3663315" progId="Visio.Drawing.11">
+                <p:oleObj spid="_x0000_s2068" name="Visio" r:id="rId3" imgW="2535079" imgH="3663315" progId="Visio.Drawing.11">
                   <p:embed/>
                 </p:oleObj>
               </mc:Choice>
@@ -5158,7 +5145,15 @@
           <a:p>
             <a:r>
               <a:rPr lang="sv-SE" dirty="0"/>
-              <a:t>När du definierar en klass, definierar du dess metoder precis på samma sätt som en ritning definierar hur ett hus kommer att se ut.</a:t>
+              <a:t>När du definierar en klass, definierar du dess </a:t>
+            </a:r>
+            <a:r>
+              <a:rPr lang="sv-SE" dirty="0" smtClean="0"/>
+              <a:t>medlemmar precis </a:t>
+            </a:r>
+            <a:r>
+              <a:rPr lang="sv-SE" dirty="0"/>
+              <a:t>på samma sätt som en ritning definierar hur ett hus kommer att se ut.</a:t>
             </a:r>
           </a:p>
         </p:txBody>
@@ -6901,11 +6896,7 @@
             </a:r>
             <a:r>
               <a:rPr lang="sv-SE" sz="1400" dirty="0" smtClean="0"/>
-              <a:t>förutom Linnéuniversitetets logotyp och </a:t>
-            </a:r>
-            <a:r>
-              <a:rPr lang="sv-SE" sz="1400" dirty="0" smtClean="0"/>
-              <a:t>symbol samt fotografier och figurer, </a:t>
+              <a:t>förutom Linnéuniversitetets logotyp och symbol samt fotografier och figurer, </a:t>
             </a:r>
             <a:r>
               <a:rPr lang="sv-SE" sz="1400" dirty="0"/>
@@ -7052,11 +7043,7 @@
             </a:r>
             <a:r>
               <a:rPr lang="sv-SE" sz="1400" dirty="0" smtClean="0"/>
-              <a:t>samt fotografier och figurer </a:t>
-            </a:r>
-            <a:r>
-              <a:rPr lang="sv-SE" sz="1400" dirty="0" smtClean="0"/>
-              <a:t>i </a:t>
+              <a:t>samt fotografier och figurer i </a:t>
             </a:r>
             <a:r>
               <a:rPr lang="sv-SE" sz="1400" dirty="0"/>
@@ -13208,7 +13195,7 @@
           <a:graphicData uri="http://schemas.openxmlformats.org/presentationml/2006/ole">
             <mc:AlternateContent xmlns:mc="http://schemas.openxmlformats.org/markup-compatibility/2006">
               <mc:Choice xmlns:v="urn:schemas-microsoft-com:vml" Requires="v">
-                <p:oleObj spid="_x0000_s1039" name="Visio" r:id="rId3" imgW="2535079" imgH="3663315" progId="Visio.Drawing.11">
+                <p:oleObj spid="_x0000_s1040" name="Visio" r:id="rId3" imgW="2535079" imgH="3663315" progId="Visio.Drawing.11">
                   <p:embed/>
                 </p:oleObj>
               </mc:Choice>
